--- a/latex/Presentation1.pptx
+++ b/latex/Presentation1.pptx
@@ -5,16 +5,17 @@
     <p:sldMasterId id="2147483648" r:id="rId1"/>
   </p:sldMasterIdLst>
   <p:notesMasterIdLst>
-    <p:notesMasterId r:id="rId7"/>
+    <p:notesMasterId r:id="rId8"/>
   </p:notesMasterIdLst>
   <p:handoutMasterIdLst>
-    <p:handoutMasterId r:id="rId8"/>
+    <p:handoutMasterId r:id="rId9"/>
   </p:handoutMasterIdLst>
   <p:sldIdLst>
     <p:sldId id="256" r:id="rId3"/>
     <p:sldId id="257" r:id="rId4"/>
     <p:sldId id="258" r:id="rId5"/>
     <p:sldId id="259" r:id="rId6"/>
+    <p:sldId id="260" r:id="rId7"/>
   </p:sldIdLst>
   <p:sldSz cx="12192000" cy="6858000"/>
   <p:notesSz cx="7103745" cy="10234295"/>
@@ -5226,6 +5227,471 @@
           </a:p>
         </p:txBody>
       </p:sp>
+    </p:spTree>
+  </p:cSld>
+  <p:clrMapOvr>
+    <a:masterClrMapping/>
+  </p:clrMapOvr>
+</p:sld>
+</file>
+
+<file path=ppt/slides/slide5.xml><?xml version="1.0" encoding="utf-8"?>
+<p:sld xmlns:a="http://schemas.openxmlformats.org/drawingml/2006/main" xmlns:r="http://schemas.openxmlformats.org/officeDocument/2006/relationships" xmlns:p="http://schemas.openxmlformats.org/presentationml/2006/main">
+  <p:cSld>
+    <p:spTree>
+      <p:nvGrpSpPr>
+        <p:cNvPr id="1" name=""/>
+        <p:cNvGrpSpPr/>
+        <p:nvPr/>
+      </p:nvGrpSpPr>
+      <p:grpSpPr>
+        <a:xfrm>
+          <a:off x="0" y="0"/>
+          <a:ext cx="0" cy="0"/>
+          <a:chOff x="0" y="0"/>
+          <a:chExt cx="0" cy="0"/>
+        </a:xfrm>
+      </p:grpSpPr>
+      <p:sp>
+        <p:nvSpPr>
+          <p:cNvPr id="3" name="Rounded Rectangle 2"/>
+          <p:cNvSpPr/>
+          <p:nvPr/>
+        </p:nvSpPr>
+        <p:spPr>
+          <a:xfrm>
+            <a:off x="3643630" y="1319530"/>
+            <a:ext cx="2010410" cy="693420"/>
+          </a:xfrm>
+          <a:prstGeom prst="roundRect">
+            <a:avLst/>
+          </a:prstGeom>
+          <a:noFill/>
+          <a:ln>
+            <a:solidFill>
+              <a:srgbClr val="202020"/>
+            </a:solidFill>
+          </a:ln>
+        </p:spPr>
+        <p:style>
+          <a:lnRef idx="2">
+            <a:schemeClr val="accent1">
+              <a:shade val="50000"/>
+            </a:schemeClr>
+          </a:lnRef>
+          <a:fillRef idx="1">
+            <a:schemeClr val="accent1"/>
+          </a:fillRef>
+          <a:effectRef idx="0">
+            <a:schemeClr val="accent1"/>
+          </a:effectRef>
+          <a:fontRef idx="minor">
+            <a:schemeClr val="lt1"/>
+          </a:fontRef>
+        </p:style>
+        <p:txBody>
+          <a:bodyPr rtlCol="0" anchor="ctr"/>
+          <a:p>
+            <a:pPr algn="ctr"/>
+            <a:r>
+              <a:rPr lang="en-US">
+                <a:solidFill>
+                  <a:schemeClr val="tx1"/>
+                </a:solidFill>
+              </a:rPr>
+              <a:t>KVDAGKLHY</a:t>
+            </a:r>
+            <a:endParaRPr lang="en-US">
+              <a:solidFill>
+                <a:schemeClr val="tx1"/>
+              </a:solidFill>
+            </a:endParaRPr>
+          </a:p>
+        </p:txBody>
+      </p:sp>
+      <p:sp>
+        <p:nvSpPr>
+          <p:cNvPr id="8" name="Text Box 7"/>
+          <p:cNvSpPr txBox="1"/>
+          <p:nvPr/>
+        </p:nvSpPr>
+        <p:spPr>
+          <a:xfrm>
+            <a:off x="4220845" y="951230"/>
+            <a:ext cx="855980" cy="368300"/>
+          </a:xfrm>
+          <a:prstGeom prst="rect">
+            <a:avLst/>
+          </a:prstGeom>
+          <a:noFill/>
+        </p:spPr>
+        <p:txBody>
+          <a:bodyPr wrap="none" rtlCol="0">
+            <a:spAutoFit/>
+          </a:bodyPr>
+          <a:p>
+            <a:r>
+              <a:rPr lang="es-ES_tradnl" altLang="en-US"/>
+              <a:t>peptide</a:t>
+            </a:r>
+            <a:endParaRPr lang="es-ES_tradnl" altLang="en-US"/>
+          </a:p>
+        </p:txBody>
+      </p:sp>
+      <p:sp>
+        <p:nvSpPr>
+          <p:cNvPr id="2" name="Rounded Rectangle 1"/>
+          <p:cNvSpPr/>
+          <p:nvPr/>
+        </p:nvSpPr>
+        <p:spPr>
+          <a:xfrm>
+            <a:off x="6678295" y="1319530"/>
+            <a:ext cx="2620010" cy="693420"/>
+          </a:xfrm>
+          <a:prstGeom prst="roundRect">
+            <a:avLst/>
+          </a:prstGeom>
+          <a:noFill/>
+          <a:ln>
+            <a:solidFill>
+              <a:srgbClr val="202020"/>
+            </a:solidFill>
+          </a:ln>
+        </p:spPr>
+        <p:style>
+          <a:lnRef idx="2">
+            <a:schemeClr val="accent1">
+              <a:shade val="50000"/>
+            </a:schemeClr>
+          </a:lnRef>
+          <a:fillRef idx="1">
+            <a:schemeClr val="accent1"/>
+          </a:fillRef>
+          <a:effectRef idx="0">
+            <a:schemeClr val="accent1"/>
+          </a:effectRef>
+          <a:fontRef idx="minor">
+            <a:schemeClr val="lt1"/>
+          </a:fontRef>
+        </p:style>
+        <p:txBody>
+          <a:bodyPr rtlCol="0" anchor="ctr"/>
+          <a:p>
+            <a:pPr algn="ctr"/>
+            <a:r>
+              <a:rPr lang="es-ES_tradnl" altLang="en-US">
+                <a:solidFill>
+                  <a:schemeClr val="tx1"/>
+                </a:solidFill>
+              </a:rPr>
+              <a:t>L</a:t>
+            </a:r>
+            <a:r>
+              <a:rPr lang="en-US">
+                <a:solidFill>
+                  <a:schemeClr val="tx1"/>
+                </a:solidFill>
+              </a:rPr>
+              <a:t>KV</a:t>
+            </a:r>
+            <a:r>
+              <a:rPr lang="es-ES_tradnl" altLang="en-US">
+                <a:solidFill>
+                  <a:schemeClr val="tx1"/>
+                </a:solidFill>
+              </a:rPr>
+              <a:t>B</a:t>
+            </a:r>
+            <a:r>
+              <a:rPr lang="en-US">
+                <a:solidFill>
+                  <a:schemeClr val="tx1"/>
+                </a:solidFill>
+              </a:rPr>
+              <a:t>DAG</a:t>
+            </a:r>
+            <a:r>
+              <a:rPr lang="es-ES_tradnl" altLang="en-US">
+                <a:solidFill>
+                  <a:schemeClr val="tx1"/>
+                </a:solidFill>
+              </a:rPr>
+              <a:t>O</a:t>
+            </a:r>
+            <a:r>
+              <a:rPr lang="en-US">
+                <a:solidFill>
+                  <a:schemeClr val="tx1"/>
+                </a:solidFill>
+              </a:rPr>
+              <a:t>KLHY</a:t>
+            </a:r>
+            <a:r>
+              <a:rPr lang="es-ES_tradnl" altLang="en-US">
+                <a:solidFill>
+                  <a:schemeClr val="tx1"/>
+                </a:solidFill>
+              </a:rPr>
+              <a:t>...</a:t>
+            </a:r>
+            <a:endParaRPr lang="es-ES_tradnl" altLang="en-US">
+              <a:solidFill>
+                <a:schemeClr val="tx1"/>
+              </a:solidFill>
+            </a:endParaRPr>
+          </a:p>
+        </p:txBody>
+      </p:sp>
+      <p:sp>
+        <p:nvSpPr>
+          <p:cNvPr id="5" name="Text Box 4"/>
+          <p:cNvSpPr txBox="1"/>
+          <p:nvPr/>
+        </p:nvSpPr>
+        <p:spPr>
+          <a:xfrm>
+            <a:off x="7636510" y="951230"/>
+            <a:ext cx="703580" cy="368300"/>
+          </a:xfrm>
+          <a:prstGeom prst="rect">
+            <a:avLst/>
+          </a:prstGeom>
+          <a:noFill/>
+        </p:spPr>
+        <p:txBody>
+          <a:bodyPr wrap="none" rtlCol="0">
+            <a:spAutoFit/>
+          </a:bodyPr>
+          <a:p>
+            <a:r>
+              <a:rPr lang="es-ES_tradnl" altLang="en-US"/>
+              <a:t>MHC</a:t>
+            </a:r>
+            <a:endParaRPr lang="es-ES_tradnl" altLang="en-US"/>
+          </a:p>
+        </p:txBody>
+      </p:sp>
+      <p:sp>
+        <p:nvSpPr>
+          <p:cNvPr id="6" name="Rounded Rectangle 5"/>
+          <p:cNvSpPr/>
+          <p:nvPr/>
+        </p:nvSpPr>
+        <p:spPr>
+          <a:xfrm>
+            <a:off x="3643630" y="2511425"/>
+            <a:ext cx="5689600" cy="719455"/>
+          </a:xfrm>
+          <a:prstGeom prst="roundRect">
+            <a:avLst/>
+          </a:prstGeom>
+          <a:solidFill>
+            <a:schemeClr val="accent1">
+              <a:lumMod val="40000"/>
+              <a:lumOff val="60000"/>
+            </a:schemeClr>
+          </a:solidFill>
+          <a:ln>
+            <a:solidFill>
+              <a:schemeClr val="accent1">
+                <a:lumMod val="75000"/>
+              </a:schemeClr>
+            </a:solidFill>
+          </a:ln>
+        </p:spPr>
+        <p:style>
+          <a:lnRef idx="2">
+            <a:schemeClr val="accent1">
+              <a:shade val="50000"/>
+            </a:schemeClr>
+          </a:lnRef>
+          <a:fillRef idx="1">
+            <a:schemeClr val="accent1"/>
+          </a:fillRef>
+          <a:effectRef idx="0">
+            <a:schemeClr val="accent1"/>
+          </a:effectRef>
+          <a:fontRef idx="minor">
+            <a:schemeClr val="lt1"/>
+          </a:fontRef>
+        </p:style>
+        <p:txBody>
+          <a:bodyPr rtlCol="0" anchor="ctr"/>
+          <a:p>
+            <a:pPr algn="ctr"/>
+            <a:r>
+              <a:rPr lang="es-ES_tradnl" altLang="en-US">
+                <a:solidFill>
+                  <a:srgbClr val="2E75B6"/>
+                </a:solidFill>
+              </a:rPr>
+              <a:t>Deep learning model</a:t>
+            </a:r>
+            <a:endParaRPr lang="es-ES_tradnl" altLang="en-US">
+              <a:solidFill>
+                <a:srgbClr val="2E75B6"/>
+              </a:solidFill>
+            </a:endParaRPr>
+          </a:p>
+        </p:txBody>
+      </p:sp>
+      <p:cxnSp>
+        <p:nvCxnSpPr>
+          <p:cNvPr id="13" name="Straight Arrow Connector 12"/>
+          <p:cNvCxnSpPr/>
+          <p:nvPr/>
+        </p:nvCxnSpPr>
+        <p:spPr>
+          <a:xfrm flipH="1">
+            <a:off x="4647565" y="2110105"/>
+            <a:ext cx="3175" cy="283210"/>
+          </a:xfrm>
+          <a:prstGeom prst="straightConnector1">
+            <a:avLst/>
+          </a:prstGeom>
+          <a:ln w="25400">
+            <a:tailEnd type="arrow"/>
+          </a:ln>
+        </p:spPr>
+        <p:style>
+          <a:lnRef idx="1">
+            <a:schemeClr val="accent1"/>
+          </a:lnRef>
+          <a:fillRef idx="0">
+            <a:schemeClr val="accent1"/>
+          </a:fillRef>
+          <a:effectRef idx="0">
+            <a:schemeClr val="accent1"/>
+          </a:effectRef>
+          <a:fontRef idx="minor">
+            <a:schemeClr val="tx1"/>
+          </a:fontRef>
+        </p:style>
+      </p:cxnSp>
+      <p:cxnSp>
+        <p:nvCxnSpPr>
+          <p:cNvPr id="14" name="Straight Arrow Connector 13"/>
+          <p:cNvCxnSpPr/>
+          <p:nvPr/>
+        </p:nvCxnSpPr>
+        <p:spPr>
+          <a:xfrm flipH="1">
+            <a:off x="7986395" y="2110105"/>
+            <a:ext cx="3175" cy="283210"/>
+          </a:xfrm>
+          <a:prstGeom prst="straightConnector1">
+            <a:avLst/>
+          </a:prstGeom>
+          <a:ln w="25400">
+            <a:tailEnd type="arrow"/>
+          </a:ln>
+        </p:spPr>
+        <p:style>
+          <a:lnRef idx="1">
+            <a:schemeClr val="accent1"/>
+          </a:lnRef>
+          <a:fillRef idx="0">
+            <a:schemeClr val="accent1"/>
+          </a:fillRef>
+          <a:effectRef idx="0">
+            <a:schemeClr val="accent1"/>
+          </a:effectRef>
+          <a:fontRef idx="minor">
+            <a:schemeClr val="tx1"/>
+          </a:fontRef>
+        </p:style>
+      </p:cxnSp>
+      <p:sp>
+        <p:nvSpPr>
+          <p:cNvPr id="15" name="Rounded Rectangle 14"/>
+          <p:cNvSpPr/>
+          <p:nvPr/>
+        </p:nvSpPr>
+        <p:spPr>
+          <a:xfrm>
+            <a:off x="5880735" y="3655060"/>
+            <a:ext cx="1052195" cy="415290"/>
+          </a:xfrm>
+          <a:prstGeom prst="roundRect">
+            <a:avLst/>
+          </a:prstGeom>
+          <a:noFill/>
+          <a:ln>
+            <a:solidFill>
+              <a:srgbClr val="202020"/>
+            </a:solidFill>
+          </a:ln>
+        </p:spPr>
+        <p:style>
+          <a:lnRef idx="2">
+            <a:schemeClr val="accent1">
+              <a:shade val="50000"/>
+            </a:schemeClr>
+          </a:lnRef>
+          <a:fillRef idx="1">
+            <a:schemeClr val="accent1"/>
+          </a:fillRef>
+          <a:effectRef idx="0">
+            <a:schemeClr val="accent1"/>
+          </a:effectRef>
+          <a:fontRef idx="minor">
+            <a:schemeClr val="lt1"/>
+          </a:fontRef>
+        </p:style>
+        <p:txBody>
+          <a:bodyPr rtlCol="0" anchor="ctr"/>
+          <a:p>
+            <a:pPr algn="ctr"/>
+            <a:r>
+              <a:rPr lang="es-ES_tradnl" altLang="en-US">
+                <a:solidFill>
+                  <a:schemeClr val="tx1"/>
+                </a:solidFill>
+              </a:rPr>
+              <a:t>0/1</a:t>
+            </a:r>
+            <a:endParaRPr lang="es-ES_tradnl" altLang="en-US">
+              <a:solidFill>
+                <a:schemeClr val="tx1"/>
+              </a:solidFill>
+            </a:endParaRPr>
+          </a:p>
+        </p:txBody>
+      </p:sp>
+      <p:cxnSp>
+        <p:nvCxnSpPr>
+          <p:cNvPr id="16" name="Straight Arrow Connector 15"/>
+          <p:cNvCxnSpPr/>
+          <p:nvPr/>
+        </p:nvCxnSpPr>
+        <p:spPr>
+          <a:xfrm flipH="1">
+            <a:off x="6405245" y="3287395"/>
+            <a:ext cx="3175" cy="283210"/>
+          </a:xfrm>
+          <a:prstGeom prst="straightConnector1">
+            <a:avLst/>
+          </a:prstGeom>
+          <a:ln w="25400">
+            <a:tailEnd type="arrow"/>
+          </a:ln>
+        </p:spPr>
+        <p:style>
+          <a:lnRef idx="1">
+            <a:schemeClr val="accent1"/>
+          </a:lnRef>
+          <a:fillRef idx="0">
+            <a:schemeClr val="accent1"/>
+          </a:fillRef>
+          <a:effectRef idx="0">
+            <a:schemeClr val="accent1"/>
+          </a:effectRef>
+          <a:fontRef idx="minor">
+            <a:schemeClr val="tx1"/>
+          </a:fontRef>
+        </p:style>
+      </p:cxnSp>
     </p:spTree>
   </p:cSld>
   <p:clrMapOvr>

--- a/latex/Presentation1.pptx
+++ b/latex/Presentation1.pptx
@@ -5,10 +5,10 @@
     <p:sldMasterId id="2147483648" r:id="rId1"/>
   </p:sldMasterIdLst>
   <p:notesMasterIdLst>
-    <p:notesMasterId r:id="rId8"/>
+    <p:notesMasterId r:id="rId9"/>
   </p:notesMasterIdLst>
   <p:handoutMasterIdLst>
-    <p:handoutMasterId r:id="rId9"/>
+    <p:handoutMasterId r:id="rId10"/>
   </p:handoutMasterIdLst>
   <p:sldIdLst>
     <p:sldId id="256" r:id="rId3"/>
@@ -16,6 +16,7 @@
     <p:sldId id="258" r:id="rId5"/>
     <p:sldId id="259" r:id="rId6"/>
     <p:sldId id="260" r:id="rId7"/>
+    <p:sldId id="261" r:id="rId8"/>
   </p:sldIdLst>
   <p:sldSz cx="12192000" cy="6858000"/>
   <p:notesSz cx="7103745" cy="10234295"/>
@@ -5692,6 +5693,775 @@
           </a:fontRef>
         </p:style>
       </p:cxnSp>
+    </p:spTree>
+  </p:cSld>
+  <p:clrMapOvr>
+    <a:masterClrMapping/>
+  </p:clrMapOvr>
+</p:sld>
+</file>
+
+<file path=ppt/slides/slide6.xml><?xml version="1.0" encoding="utf-8"?>
+<p:sld xmlns:a="http://schemas.openxmlformats.org/drawingml/2006/main" xmlns:r="http://schemas.openxmlformats.org/officeDocument/2006/relationships" xmlns:p="http://schemas.openxmlformats.org/presentationml/2006/main">
+  <p:cSld>
+    <p:spTree>
+      <p:nvGrpSpPr>
+        <p:cNvPr id="1" name=""/>
+        <p:cNvGrpSpPr/>
+        <p:nvPr/>
+      </p:nvGrpSpPr>
+      <p:grpSpPr>
+        <a:xfrm>
+          <a:off x="0" y="0"/>
+          <a:ext cx="0" cy="0"/>
+          <a:chOff x="0" y="0"/>
+          <a:chExt cx="0" cy="0"/>
+        </a:xfrm>
+      </p:grpSpPr>
+      <p:sp>
+        <p:nvSpPr>
+          <p:cNvPr id="3" name="Rounded Rectangle 2"/>
+          <p:cNvSpPr/>
+          <p:nvPr/>
+        </p:nvSpPr>
+        <p:spPr>
+          <a:xfrm>
+            <a:off x="3543935" y="582930"/>
+            <a:ext cx="1718310" cy="358140"/>
+          </a:xfrm>
+          <a:prstGeom prst="roundRect">
+            <a:avLst/>
+          </a:prstGeom>
+          <a:noFill/>
+          <a:ln>
+            <a:solidFill>
+              <a:srgbClr val="202020"/>
+            </a:solidFill>
+          </a:ln>
+        </p:spPr>
+        <p:style>
+          <a:lnRef idx="2">
+            <a:schemeClr val="accent1">
+              <a:shade val="50000"/>
+            </a:schemeClr>
+          </a:lnRef>
+          <a:fillRef idx="1">
+            <a:schemeClr val="accent1"/>
+          </a:fillRef>
+          <a:effectRef idx="0">
+            <a:schemeClr val="accent1"/>
+          </a:effectRef>
+          <a:fontRef idx="minor">
+            <a:schemeClr val="lt1"/>
+          </a:fontRef>
+        </p:style>
+        <p:txBody>
+          <a:bodyPr rtlCol="0" anchor="ctr"/>
+          <a:p>
+            <a:pPr algn="ctr"/>
+            <a:r>
+              <a:rPr lang="es-ES_tradnl" altLang="en-US" sz="2000">
+                <a:solidFill>
+                  <a:schemeClr val="tx1"/>
+                </a:solidFill>
+                <a:cs typeface="+mn-lt"/>
+                <a:sym typeface="+mn-ea"/>
+              </a:rPr>
+              <a:t>peptide</a:t>
+            </a:r>
+            <a:endParaRPr lang="es-ES_tradnl" altLang="en-US" sz="2000">
+              <a:solidFill>
+                <a:schemeClr val="tx1"/>
+              </a:solidFill>
+              <a:cs typeface="+mn-lt"/>
+              <a:sym typeface="+mn-ea"/>
+            </a:endParaRPr>
+          </a:p>
+        </p:txBody>
+      </p:sp>
+      <p:sp>
+        <p:nvSpPr>
+          <p:cNvPr id="2" name="Rounded Rectangle 1"/>
+          <p:cNvSpPr/>
+          <p:nvPr/>
+        </p:nvSpPr>
+        <p:spPr>
+          <a:xfrm>
+            <a:off x="5645785" y="582930"/>
+            <a:ext cx="1718310" cy="358140"/>
+          </a:xfrm>
+          <a:prstGeom prst="roundRect">
+            <a:avLst/>
+          </a:prstGeom>
+          <a:noFill/>
+          <a:ln>
+            <a:solidFill>
+              <a:srgbClr val="202020"/>
+            </a:solidFill>
+          </a:ln>
+        </p:spPr>
+        <p:style>
+          <a:lnRef idx="2">
+            <a:schemeClr val="accent1">
+              <a:shade val="50000"/>
+            </a:schemeClr>
+          </a:lnRef>
+          <a:fillRef idx="1">
+            <a:schemeClr val="accent1"/>
+          </a:fillRef>
+          <a:effectRef idx="0">
+            <a:schemeClr val="accent1"/>
+          </a:effectRef>
+          <a:fontRef idx="minor">
+            <a:schemeClr val="lt1"/>
+          </a:fontRef>
+        </p:style>
+        <p:txBody>
+          <a:bodyPr rtlCol="0" anchor="ctr"/>
+          <a:p>
+            <a:pPr algn="ctr"/>
+            <a:r>
+              <a:rPr lang="es-ES_tradnl" sz="2000">
+                <a:solidFill>
+                  <a:schemeClr val="tx1"/>
+                </a:solidFill>
+                <a:cs typeface="+mn-lt"/>
+              </a:rPr>
+              <a:t>MHC</a:t>
+            </a:r>
+            <a:endParaRPr lang="es-ES_tradnl" sz="2000">
+              <a:solidFill>
+                <a:schemeClr val="tx1"/>
+              </a:solidFill>
+              <a:cs typeface="+mn-lt"/>
+            </a:endParaRPr>
+          </a:p>
+        </p:txBody>
+      </p:sp>
+      <p:sp>
+        <p:nvSpPr>
+          <p:cNvPr id="6" name="Rounded Rectangle 5"/>
+          <p:cNvSpPr/>
+          <p:nvPr/>
+        </p:nvSpPr>
+        <p:spPr>
+          <a:xfrm>
+            <a:off x="3544570" y="2107565"/>
+            <a:ext cx="3819525" cy="779780"/>
+          </a:xfrm>
+          <a:prstGeom prst="roundRect">
+            <a:avLst/>
+          </a:prstGeom>
+          <a:solidFill>
+            <a:schemeClr val="accent1">
+              <a:lumMod val="40000"/>
+              <a:lumOff val="60000"/>
+            </a:schemeClr>
+          </a:solidFill>
+          <a:ln>
+            <a:solidFill>
+              <a:schemeClr val="accent1">
+                <a:lumMod val="75000"/>
+              </a:schemeClr>
+            </a:solidFill>
+          </a:ln>
+        </p:spPr>
+        <p:style>
+          <a:lnRef idx="2">
+            <a:schemeClr val="accent1">
+              <a:shade val="50000"/>
+            </a:schemeClr>
+          </a:lnRef>
+          <a:fillRef idx="1">
+            <a:schemeClr val="accent1"/>
+          </a:fillRef>
+          <a:effectRef idx="0">
+            <a:schemeClr val="accent1"/>
+          </a:effectRef>
+          <a:fontRef idx="minor">
+            <a:schemeClr val="lt1"/>
+          </a:fontRef>
+        </p:style>
+        <p:txBody>
+          <a:bodyPr rtlCol="0" anchor="ctr"/>
+          <a:p>
+            <a:pPr algn="ctr"/>
+            <a:r>
+              <a:rPr lang="es-ES_tradnl" altLang="en-US" sz="2000">
+                <a:solidFill>
+                  <a:srgbClr val="2E75B6"/>
+                </a:solidFill>
+                <a:cs typeface="+mn-lt"/>
+              </a:rPr>
+              <a:t>ESM-1b</a:t>
+            </a:r>
+            <a:endParaRPr lang="es-ES_tradnl" altLang="en-US" sz="2000">
+              <a:solidFill>
+                <a:srgbClr val="2E75B6"/>
+              </a:solidFill>
+              <a:cs typeface="+mn-lt"/>
+            </a:endParaRPr>
+          </a:p>
+        </p:txBody>
+      </p:sp>
+      <p:sp>
+        <p:nvSpPr>
+          <p:cNvPr id="15" name="Rounded Rectangle 14"/>
+          <p:cNvSpPr/>
+          <p:nvPr/>
+        </p:nvSpPr>
+        <p:spPr>
+          <a:xfrm>
+            <a:off x="3543935" y="4339590"/>
+            <a:ext cx="3818890" cy="654685"/>
+          </a:xfrm>
+          <a:prstGeom prst="roundRect">
+            <a:avLst/>
+          </a:prstGeom>
+          <a:noFill/>
+          <a:ln>
+            <a:solidFill>
+              <a:srgbClr val="202020"/>
+            </a:solidFill>
+          </a:ln>
+        </p:spPr>
+        <p:style>
+          <a:lnRef idx="2">
+            <a:schemeClr val="accent1">
+              <a:shade val="50000"/>
+            </a:schemeClr>
+          </a:lnRef>
+          <a:fillRef idx="1">
+            <a:schemeClr val="accent1"/>
+          </a:fillRef>
+          <a:effectRef idx="0">
+            <a:schemeClr val="accent1"/>
+          </a:effectRef>
+          <a:fontRef idx="minor">
+            <a:schemeClr val="lt1"/>
+          </a:fontRef>
+        </p:style>
+        <p:txBody>
+          <a:bodyPr rtlCol="0" anchor="ctr"/>
+          <a:p>
+            <a:pPr algn="ctr"/>
+            <a:r>
+              <a:rPr lang="es-ES_tradnl" altLang="en-US" sz="2000">
+                <a:solidFill>
+                  <a:schemeClr val="tx1"/>
+                </a:solidFill>
+                <a:cs typeface="+mn-lt"/>
+              </a:rPr>
+              <a:t>pMHC binding / presentation prediction</a:t>
+            </a:r>
+            <a:endParaRPr lang="es-ES_tradnl" altLang="en-US" sz="2000">
+              <a:solidFill>
+                <a:schemeClr val="tx1"/>
+              </a:solidFill>
+              <a:cs typeface="+mn-lt"/>
+            </a:endParaRPr>
+          </a:p>
+        </p:txBody>
+      </p:sp>
+      <p:sp>
+        <p:nvSpPr>
+          <p:cNvPr id="7" name="Rounded Rectangle 6"/>
+          <p:cNvSpPr/>
+          <p:nvPr/>
+        </p:nvSpPr>
+        <p:spPr>
+          <a:xfrm>
+            <a:off x="3543935" y="1306195"/>
+            <a:ext cx="3820160" cy="451485"/>
+          </a:xfrm>
+          <a:prstGeom prst="roundRect">
+            <a:avLst/>
+          </a:prstGeom>
+          <a:solidFill>
+            <a:schemeClr val="accent1">
+              <a:lumMod val="40000"/>
+              <a:lumOff val="60000"/>
+            </a:schemeClr>
+          </a:solidFill>
+          <a:ln>
+            <a:solidFill>
+              <a:schemeClr val="accent1">
+                <a:lumMod val="75000"/>
+              </a:schemeClr>
+            </a:solidFill>
+          </a:ln>
+        </p:spPr>
+        <p:style>
+          <a:lnRef idx="2">
+            <a:schemeClr val="accent1">
+              <a:shade val="50000"/>
+            </a:schemeClr>
+          </a:lnRef>
+          <a:fillRef idx="1">
+            <a:schemeClr val="accent1"/>
+          </a:fillRef>
+          <a:effectRef idx="0">
+            <a:schemeClr val="accent1"/>
+          </a:effectRef>
+          <a:fontRef idx="minor">
+            <a:schemeClr val="lt1"/>
+          </a:fontRef>
+        </p:style>
+        <p:txBody>
+          <a:bodyPr rtlCol="0" anchor="ctr"/>
+          <a:p>
+            <a:pPr algn="ctr"/>
+            <a:r>
+              <a:rPr lang="es-ES_tradnl" altLang="en-US" sz="2000">
+                <a:solidFill>
+                  <a:srgbClr val="2E75B6"/>
+                </a:solidFill>
+                <a:cs typeface="+mn-lt"/>
+              </a:rPr>
+              <a:t>Concatenate - padding - tokenize</a:t>
+            </a:r>
+            <a:endParaRPr lang="es-ES_tradnl" altLang="en-US" sz="2000">
+              <a:solidFill>
+                <a:srgbClr val="2E75B6"/>
+              </a:solidFill>
+              <a:cs typeface="+mn-lt"/>
+            </a:endParaRPr>
+          </a:p>
+        </p:txBody>
+      </p:sp>
+      <p:sp>
+        <p:nvSpPr>
+          <p:cNvPr id="9" name="Down Arrow 8"/>
+          <p:cNvSpPr/>
+          <p:nvPr/>
+        </p:nvSpPr>
+        <p:spPr>
+          <a:xfrm>
+            <a:off x="4372610" y="1024890"/>
+            <a:ext cx="231775" cy="198755"/>
+          </a:xfrm>
+          <a:prstGeom prst="downArrow">
+            <a:avLst/>
+          </a:prstGeom>
+          <a:solidFill>
+            <a:schemeClr val="accent1">
+              <a:lumMod val="40000"/>
+              <a:lumOff val="60000"/>
+            </a:schemeClr>
+          </a:solidFill>
+        </p:spPr>
+        <p:style>
+          <a:lnRef idx="2">
+            <a:schemeClr val="accent1">
+              <a:shade val="50000"/>
+            </a:schemeClr>
+          </a:lnRef>
+          <a:fillRef idx="1">
+            <a:schemeClr val="accent1"/>
+          </a:fillRef>
+          <a:effectRef idx="0">
+            <a:schemeClr val="accent1"/>
+          </a:effectRef>
+          <a:fontRef idx="minor">
+            <a:schemeClr val="lt1"/>
+          </a:fontRef>
+        </p:style>
+        <p:txBody>
+          <a:bodyPr rtlCol="0" anchor="ctr"/>
+          <a:p>
+            <a:pPr algn="ctr"/>
+            <a:endParaRPr lang="en-US" sz="2000">
+              <a:cs typeface="+mn-lt"/>
+            </a:endParaRPr>
+          </a:p>
+        </p:txBody>
+      </p:sp>
+      <p:sp>
+        <p:nvSpPr>
+          <p:cNvPr id="10" name="Down Arrow 9"/>
+          <p:cNvSpPr/>
+          <p:nvPr/>
+        </p:nvSpPr>
+        <p:spPr>
+          <a:xfrm>
+            <a:off x="6389370" y="1024255"/>
+            <a:ext cx="231775" cy="199390"/>
+          </a:xfrm>
+          <a:prstGeom prst="downArrow">
+            <a:avLst/>
+          </a:prstGeom>
+          <a:solidFill>
+            <a:schemeClr val="accent1">
+              <a:lumMod val="40000"/>
+              <a:lumOff val="60000"/>
+            </a:schemeClr>
+          </a:solidFill>
+        </p:spPr>
+        <p:style>
+          <a:lnRef idx="2">
+            <a:schemeClr val="accent1">
+              <a:shade val="50000"/>
+            </a:schemeClr>
+          </a:lnRef>
+          <a:fillRef idx="1">
+            <a:schemeClr val="accent1"/>
+          </a:fillRef>
+          <a:effectRef idx="0">
+            <a:schemeClr val="accent1"/>
+          </a:effectRef>
+          <a:fontRef idx="minor">
+            <a:schemeClr val="lt1"/>
+          </a:fontRef>
+        </p:style>
+        <p:txBody>
+          <a:bodyPr rtlCol="0" anchor="ctr"/>
+          <a:p>
+            <a:pPr algn="ctr"/>
+            <a:endParaRPr lang="en-US" sz="2000">
+              <a:cs typeface="+mn-lt"/>
+            </a:endParaRPr>
+          </a:p>
+        </p:txBody>
+      </p:sp>
+      <p:sp>
+        <p:nvSpPr>
+          <p:cNvPr id="11" name="Rounded Rectangle 10"/>
+          <p:cNvSpPr/>
+          <p:nvPr/>
+        </p:nvSpPr>
+        <p:spPr>
+          <a:xfrm>
+            <a:off x="3543935" y="3227705"/>
+            <a:ext cx="3819525" cy="787400"/>
+          </a:xfrm>
+          <a:prstGeom prst="roundRect">
+            <a:avLst/>
+          </a:prstGeom>
+          <a:solidFill>
+            <a:schemeClr val="accent1">
+              <a:lumMod val="20000"/>
+              <a:lumOff val="80000"/>
+            </a:schemeClr>
+          </a:solidFill>
+          <a:ln>
+            <a:solidFill>
+              <a:schemeClr val="accent1">
+                <a:lumMod val="75000"/>
+              </a:schemeClr>
+            </a:solidFill>
+          </a:ln>
+        </p:spPr>
+        <p:style>
+          <a:lnRef idx="2">
+            <a:schemeClr val="accent1">
+              <a:shade val="50000"/>
+            </a:schemeClr>
+          </a:lnRef>
+          <a:fillRef idx="1">
+            <a:schemeClr val="accent1"/>
+          </a:fillRef>
+          <a:effectRef idx="0">
+            <a:schemeClr val="accent1"/>
+          </a:effectRef>
+          <a:fontRef idx="minor">
+            <a:schemeClr val="lt1"/>
+          </a:fontRef>
+        </p:style>
+        <p:txBody>
+          <a:bodyPr rtlCol="0" anchor="ctr"/>
+          <a:p>
+            <a:pPr algn="ctr"/>
+            <a:r>
+              <a:rPr lang="es-ES_tradnl" altLang="en-US" sz="2000">
+                <a:solidFill>
+                  <a:srgbClr val="2E75B6"/>
+                </a:solidFill>
+                <a:cs typeface="+mn-lt"/>
+              </a:rPr>
+              <a:t>BiLSTM</a:t>
+            </a:r>
+            <a:endParaRPr lang="es-ES_tradnl" altLang="en-US" sz="2000">
+              <a:solidFill>
+                <a:srgbClr val="2E75B6"/>
+              </a:solidFill>
+              <a:cs typeface="+mn-lt"/>
+            </a:endParaRPr>
+          </a:p>
+        </p:txBody>
+      </p:sp>
+      <p:sp>
+        <p:nvSpPr>
+          <p:cNvPr id="17" name="Down Arrow 16"/>
+          <p:cNvSpPr/>
+          <p:nvPr/>
+        </p:nvSpPr>
+        <p:spPr>
+          <a:xfrm>
+            <a:off x="5337175" y="1833245"/>
+            <a:ext cx="231775" cy="198755"/>
+          </a:xfrm>
+          <a:prstGeom prst="downArrow">
+            <a:avLst/>
+          </a:prstGeom>
+          <a:solidFill>
+            <a:schemeClr val="accent1">
+              <a:lumMod val="40000"/>
+              <a:lumOff val="60000"/>
+            </a:schemeClr>
+          </a:solidFill>
+        </p:spPr>
+        <p:style>
+          <a:lnRef idx="2">
+            <a:schemeClr val="accent1">
+              <a:shade val="50000"/>
+            </a:schemeClr>
+          </a:lnRef>
+          <a:fillRef idx="1">
+            <a:schemeClr val="accent1"/>
+          </a:fillRef>
+          <a:effectRef idx="0">
+            <a:schemeClr val="accent1"/>
+          </a:effectRef>
+          <a:fontRef idx="minor">
+            <a:schemeClr val="lt1"/>
+          </a:fontRef>
+        </p:style>
+        <p:txBody>
+          <a:bodyPr rtlCol="0" anchor="ctr"/>
+          <a:p>
+            <a:pPr algn="ctr"/>
+            <a:endParaRPr lang="en-US" sz="2000">
+              <a:cs typeface="+mn-lt"/>
+            </a:endParaRPr>
+          </a:p>
+        </p:txBody>
+      </p:sp>
+      <p:sp>
+        <p:nvSpPr>
+          <p:cNvPr id="18" name="Down Arrow 17"/>
+          <p:cNvSpPr/>
+          <p:nvPr/>
+        </p:nvSpPr>
+        <p:spPr>
+          <a:xfrm>
+            <a:off x="5337175" y="2957830"/>
+            <a:ext cx="231775" cy="198755"/>
+          </a:xfrm>
+          <a:prstGeom prst="downArrow">
+            <a:avLst/>
+          </a:prstGeom>
+          <a:solidFill>
+            <a:schemeClr val="accent1">
+              <a:lumMod val="40000"/>
+              <a:lumOff val="60000"/>
+            </a:schemeClr>
+          </a:solidFill>
+        </p:spPr>
+        <p:style>
+          <a:lnRef idx="2">
+            <a:schemeClr val="accent1">
+              <a:shade val="50000"/>
+            </a:schemeClr>
+          </a:lnRef>
+          <a:fillRef idx="1">
+            <a:schemeClr val="accent1"/>
+          </a:fillRef>
+          <a:effectRef idx="0">
+            <a:schemeClr val="accent1"/>
+          </a:effectRef>
+          <a:fontRef idx="minor">
+            <a:schemeClr val="lt1"/>
+          </a:fontRef>
+        </p:style>
+        <p:txBody>
+          <a:bodyPr rtlCol="0" anchor="ctr"/>
+          <a:p>
+            <a:pPr algn="ctr"/>
+            <a:endParaRPr lang="en-US" sz="2000">
+              <a:cs typeface="+mn-lt"/>
+            </a:endParaRPr>
+          </a:p>
+        </p:txBody>
+      </p:sp>
+      <p:sp>
+        <p:nvSpPr>
+          <p:cNvPr id="19" name="Down Arrow 18"/>
+          <p:cNvSpPr/>
+          <p:nvPr/>
+        </p:nvSpPr>
+        <p:spPr>
+          <a:xfrm>
+            <a:off x="5337175" y="4087495"/>
+            <a:ext cx="231775" cy="198755"/>
+          </a:xfrm>
+          <a:prstGeom prst="downArrow">
+            <a:avLst/>
+          </a:prstGeom>
+          <a:solidFill>
+            <a:schemeClr val="accent1">
+              <a:lumMod val="40000"/>
+              <a:lumOff val="60000"/>
+            </a:schemeClr>
+          </a:solidFill>
+        </p:spPr>
+        <p:style>
+          <a:lnRef idx="2">
+            <a:schemeClr val="accent1">
+              <a:shade val="50000"/>
+            </a:schemeClr>
+          </a:lnRef>
+          <a:fillRef idx="1">
+            <a:schemeClr val="accent1"/>
+          </a:fillRef>
+          <a:effectRef idx="0">
+            <a:schemeClr val="accent1"/>
+          </a:effectRef>
+          <a:fontRef idx="minor">
+            <a:schemeClr val="lt1"/>
+          </a:fontRef>
+        </p:style>
+        <p:txBody>
+          <a:bodyPr rtlCol="0" anchor="ctr"/>
+          <a:p>
+            <a:pPr algn="ctr"/>
+            <a:endParaRPr lang="en-US" sz="2000">
+              <a:cs typeface="+mn-lt"/>
+            </a:endParaRPr>
+          </a:p>
+        </p:txBody>
+      </p:sp>
+      <p:sp>
+        <p:nvSpPr>
+          <p:cNvPr id="20" name="Rounded Rectangle 19"/>
+          <p:cNvSpPr/>
+          <p:nvPr/>
+        </p:nvSpPr>
+        <p:spPr>
+          <a:xfrm>
+            <a:off x="3544570" y="2105025"/>
+            <a:ext cx="3819525" cy="779780"/>
+          </a:xfrm>
+          <a:prstGeom prst="roundRect">
+            <a:avLst/>
+          </a:prstGeom>
+          <a:solidFill>
+            <a:schemeClr val="accent1">
+              <a:lumMod val="20000"/>
+              <a:lumOff val="80000"/>
+            </a:schemeClr>
+          </a:solidFill>
+          <a:ln>
+            <a:solidFill>
+              <a:schemeClr val="accent1">
+                <a:lumMod val="75000"/>
+              </a:schemeClr>
+            </a:solidFill>
+          </a:ln>
+        </p:spPr>
+        <p:style>
+          <a:lnRef idx="2">
+            <a:schemeClr val="accent1">
+              <a:shade val="50000"/>
+            </a:schemeClr>
+          </a:lnRef>
+          <a:fillRef idx="1">
+            <a:schemeClr val="accent1"/>
+          </a:fillRef>
+          <a:effectRef idx="0">
+            <a:schemeClr val="accent1"/>
+          </a:effectRef>
+          <a:fontRef idx="minor">
+            <a:schemeClr val="lt1"/>
+          </a:fontRef>
+        </p:style>
+        <p:txBody>
+          <a:bodyPr rtlCol="0" anchor="ctr"/>
+          <a:p>
+            <a:pPr algn="ctr"/>
+            <a:r>
+              <a:rPr lang="es-ES_tradnl" altLang="en-US" sz="2000">
+                <a:solidFill>
+                  <a:srgbClr val="2E75B6"/>
+                </a:solidFill>
+                <a:cs typeface="+mn-lt"/>
+              </a:rPr>
+              <a:t>ESM-1b</a:t>
+            </a:r>
+            <a:endParaRPr lang="es-ES_tradnl" altLang="en-US" sz="2000">
+              <a:solidFill>
+                <a:srgbClr val="2E75B6"/>
+              </a:solidFill>
+              <a:cs typeface="+mn-lt"/>
+            </a:endParaRPr>
+          </a:p>
+        </p:txBody>
+      </p:sp>
+      <p:sp>
+        <p:nvSpPr>
+          <p:cNvPr id="21" name="Rounded Rectangle 20"/>
+          <p:cNvSpPr/>
+          <p:nvPr/>
+        </p:nvSpPr>
+        <p:spPr>
+          <a:xfrm>
+            <a:off x="3543935" y="1303655"/>
+            <a:ext cx="3820160" cy="451485"/>
+          </a:xfrm>
+          <a:prstGeom prst="roundRect">
+            <a:avLst/>
+          </a:prstGeom>
+          <a:solidFill>
+            <a:schemeClr val="accent1">
+              <a:lumMod val="20000"/>
+              <a:lumOff val="80000"/>
+            </a:schemeClr>
+          </a:solidFill>
+          <a:ln>
+            <a:solidFill>
+              <a:schemeClr val="accent1">
+                <a:lumMod val="75000"/>
+              </a:schemeClr>
+            </a:solidFill>
+          </a:ln>
+        </p:spPr>
+        <p:style>
+          <a:lnRef idx="2">
+            <a:schemeClr val="accent1">
+              <a:shade val="50000"/>
+            </a:schemeClr>
+          </a:lnRef>
+          <a:fillRef idx="1">
+            <a:schemeClr val="accent1"/>
+          </a:fillRef>
+          <a:effectRef idx="0">
+            <a:schemeClr val="accent1"/>
+          </a:effectRef>
+          <a:fontRef idx="minor">
+            <a:schemeClr val="lt1"/>
+          </a:fontRef>
+        </p:style>
+        <p:txBody>
+          <a:bodyPr rtlCol="0" anchor="ctr"/>
+          <a:p>
+            <a:pPr algn="ctr"/>
+            <a:r>
+              <a:rPr lang="es-ES_tradnl" altLang="en-US" sz="2000">
+                <a:solidFill>
+                  <a:srgbClr val="2E75B6"/>
+                </a:solidFill>
+                <a:cs typeface="+mn-lt"/>
+              </a:rPr>
+              <a:t>Concatenate - padding - tokenize</a:t>
+            </a:r>
+            <a:endParaRPr lang="es-ES_tradnl" altLang="en-US" sz="2000">
+              <a:solidFill>
+                <a:srgbClr val="2E75B6"/>
+              </a:solidFill>
+              <a:cs typeface="+mn-lt"/>
+            </a:endParaRPr>
+          </a:p>
+        </p:txBody>
+      </p:sp>
     </p:spTree>
   </p:cSld>
   <p:clrMapOvr>
